--- a/1_Templates/TemplatePPT.pptx
+++ b/1_Templates/TemplatePPT.pptx
@@ -105,6 +105,11 @@
       </a:defRPr>
     </a:lvl9pPr>
   </p:defaultTextStyle>
+  <p:extLst>
+    <p:ext uri="{EFAFB233-063F-42B5-8137-9DF3F51BA10A}">
+      <p15:sldGuideLst xmlns:p15="http://schemas.microsoft.com/office/powerpoint/2012/main"/>
+    </p:ext>
+  </p:extLst>
 </p:presentation>
 </file>
 
@@ -150,7 +155,7 @@
           </a:lstStyle>
           <a:p>
             <a:r>
-              <a:rPr lang="es-ES" smtClean="0"/>
+              <a:rPr lang="es-ES"/>
               <a:t>Haga clic para modificar el estilo de título del patrón</a:t>
             </a:r>
             <a:endParaRPr lang="en-GB"/>
@@ -215,7 +220,7 @@
           </a:lstStyle>
           <a:p>
             <a:r>
-              <a:rPr lang="es-ES" smtClean="0"/>
+              <a:rPr lang="es-ES"/>
               <a:t>Haga clic para editar el estilo de subtítulo del patrón</a:t>
             </a:r>
             <a:endParaRPr lang="en-GB"/>
@@ -323,7 +328,7 @@
           <a:lstStyle/>
           <a:p>
             <a:r>
-              <a:rPr lang="es-ES" smtClean="0"/>
+              <a:rPr lang="es-ES"/>
               <a:t>Haga clic para modificar el estilo de título del patrón</a:t>
             </a:r>
             <a:endParaRPr lang="en-GB"/>
@@ -347,35 +352,35 @@
           <a:p>
             <a:pPr lvl="0"/>
             <a:r>
-              <a:rPr lang="es-ES" smtClean="0"/>
+              <a:rPr lang="es-ES"/>
               <a:t>Editar el estilo de texto del patrón</a:t>
             </a:r>
           </a:p>
           <a:p>
             <a:pPr lvl="1"/>
             <a:r>
-              <a:rPr lang="es-ES" smtClean="0"/>
+              <a:rPr lang="es-ES"/>
               <a:t>Segundo nivel</a:t>
             </a:r>
           </a:p>
           <a:p>
             <a:pPr lvl="2"/>
             <a:r>
-              <a:rPr lang="es-ES" smtClean="0"/>
+              <a:rPr lang="es-ES"/>
               <a:t>Tercer nivel</a:t>
             </a:r>
           </a:p>
           <a:p>
             <a:pPr lvl="3"/>
             <a:r>
-              <a:rPr lang="es-ES" smtClean="0"/>
+              <a:rPr lang="es-ES"/>
               <a:t>Cuarto nivel</a:t>
             </a:r>
           </a:p>
           <a:p>
             <a:pPr lvl="4"/>
             <a:r>
-              <a:rPr lang="es-ES" smtClean="0"/>
+              <a:rPr lang="es-ES"/>
               <a:t>Quinto nivel</a:t>
             </a:r>
             <a:endParaRPr lang="en-GB"/>
@@ -407,7 +412,7 @@
           <a:p>
             <a:fld id="{4A42529D-B5B1-47E1-A19B-037CCFF42894}" type="datetimeFigureOut">
               <a:rPr lang="en-GB" smtClean="0"/>
-              <a:t>07/06/2021</a:t>
+              <a:t>12/07/2021</a:t>
             </a:fld>
             <a:endParaRPr lang="en-GB"/>
           </a:p>
@@ -514,7 +519,7 @@
           <a:lstStyle/>
           <a:p>
             <a:r>
-              <a:rPr lang="es-ES" smtClean="0"/>
+              <a:rPr lang="es-ES"/>
               <a:t>Haga clic para modificar el estilo de título del patrón</a:t>
             </a:r>
             <a:endParaRPr lang="en-GB"/>
@@ -543,35 +548,35 @@
           <a:p>
             <a:pPr lvl="0"/>
             <a:r>
-              <a:rPr lang="es-ES" smtClean="0"/>
+              <a:rPr lang="es-ES"/>
               <a:t>Editar el estilo de texto del patrón</a:t>
             </a:r>
           </a:p>
           <a:p>
             <a:pPr lvl="1"/>
             <a:r>
-              <a:rPr lang="es-ES" smtClean="0"/>
+              <a:rPr lang="es-ES"/>
               <a:t>Segundo nivel</a:t>
             </a:r>
           </a:p>
           <a:p>
             <a:pPr lvl="2"/>
             <a:r>
-              <a:rPr lang="es-ES" smtClean="0"/>
+              <a:rPr lang="es-ES"/>
               <a:t>Tercer nivel</a:t>
             </a:r>
           </a:p>
           <a:p>
             <a:pPr lvl="3"/>
             <a:r>
-              <a:rPr lang="es-ES" smtClean="0"/>
+              <a:rPr lang="es-ES"/>
               <a:t>Cuarto nivel</a:t>
             </a:r>
           </a:p>
           <a:p>
             <a:pPr lvl="4"/>
             <a:r>
-              <a:rPr lang="es-ES" smtClean="0"/>
+              <a:rPr lang="es-ES"/>
               <a:t>Quinto nivel</a:t>
             </a:r>
             <a:endParaRPr lang="en-GB"/>
@@ -603,7 +608,7 @@
           <a:p>
             <a:fld id="{4A42529D-B5B1-47E1-A19B-037CCFF42894}" type="datetimeFigureOut">
               <a:rPr lang="en-GB" smtClean="0"/>
-              <a:t>07/06/2021</a:t>
+              <a:t>12/07/2021</a:t>
             </a:fld>
             <a:endParaRPr lang="en-GB"/>
           </a:p>
@@ -705,7 +710,7 @@
           <a:lstStyle/>
           <a:p>
             <a:r>
-              <a:rPr lang="es-ES" smtClean="0"/>
+              <a:rPr lang="es-ES"/>
               <a:t>Haga clic para modificar el estilo de título del patrón</a:t>
             </a:r>
             <a:endParaRPr lang="en-GB"/>
@@ -729,35 +734,35 @@
           <a:p>
             <a:pPr lvl="0"/>
             <a:r>
-              <a:rPr lang="es-ES" smtClean="0"/>
+              <a:rPr lang="es-ES"/>
               <a:t>Editar el estilo de texto del patrón</a:t>
             </a:r>
           </a:p>
           <a:p>
             <a:pPr lvl="1"/>
             <a:r>
-              <a:rPr lang="es-ES" smtClean="0"/>
+              <a:rPr lang="es-ES"/>
               <a:t>Segundo nivel</a:t>
             </a:r>
           </a:p>
           <a:p>
             <a:pPr lvl="2"/>
             <a:r>
-              <a:rPr lang="es-ES" smtClean="0"/>
+              <a:rPr lang="es-ES"/>
               <a:t>Tercer nivel</a:t>
             </a:r>
           </a:p>
           <a:p>
             <a:pPr lvl="3"/>
             <a:r>
-              <a:rPr lang="es-ES" smtClean="0"/>
+              <a:rPr lang="es-ES"/>
               <a:t>Cuarto nivel</a:t>
             </a:r>
           </a:p>
           <a:p>
             <a:pPr lvl="4"/>
             <a:r>
-              <a:rPr lang="es-ES" smtClean="0"/>
+              <a:rPr lang="es-ES"/>
               <a:t>Quinto nivel</a:t>
             </a:r>
             <a:endParaRPr lang="en-GB"/>
@@ -869,7 +874,7 @@
           </a:lstStyle>
           <a:p>
             <a:r>
-              <a:rPr lang="es-ES" smtClean="0"/>
+              <a:rPr lang="es-ES"/>
               <a:t>Haga clic para modificar el estilo de título del patrón</a:t>
             </a:r>
             <a:endParaRPr lang="en-GB"/>
@@ -989,7 +994,7 @@
           <a:p>
             <a:pPr lvl="0"/>
             <a:r>
-              <a:rPr lang="es-ES" smtClean="0"/>
+              <a:rPr lang="es-ES"/>
               <a:t>Editar el estilo de texto del patrón</a:t>
             </a:r>
           </a:p>
@@ -1091,7 +1096,7 @@
           <a:lstStyle/>
           <a:p>
             <a:r>
-              <a:rPr lang="es-ES" smtClean="0"/>
+              <a:rPr lang="es-ES"/>
               <a:t>Haga clic para modificar el estilo de título del patrón</a:t>
             </a:r>
             <a:endParaRPr lang="en-GB"/>
@@ -1120,35 +1125,35 @@
           <a:p>
             <a:pPr lvl="0"/>
             <a:r>
-              <a:rPr lang="es-ES" smtClean="0"/>
+              <a:rPr lang="es-ES"/>
               <a:t>Editar el estilo de texto del patrón</a:t>
             </a:r>
           </a:p>
           <a:p>
             <a:pPr lvl="1"/>
             <a:r>
-              <a:rPr lang="es-ES" smtClean="0"/>
+              <a:rPr lang="es-ES"/>
               <a:t>Segundo nivel</a:t>
             </a:r>
           </a:p>
           <a:p>
             <a:pPr lvl="2"/>
             <a:r>
-              <a:rPr lang="es-ES" smtClean="0"/>
+              <a:rPr lang="es-ES"/>
               <a:t>Tercer nivel</a:t>
             </a:r>
           </a:p>
           <a:p>
             <a:pPr lvl="3"/>
             <a:r>
-              <a:rPr lang="es-ES" smtClean="0"/>
+              <a:rPr lang="es-ES"/>
               <a:t>Cuarto nivel</a:t>
             </a:r>
           </a:p>
           <a:p>
             <a:pPr lvl="4"/>
             <a:r>
-              <a:rPr lang="es-ES" smtClean="0"/>
+              <a:rPr lang="es-ES"/>
               <a:t>Quinto nivel</a:t>
             </a:r>
             <a:endParaRPr lang="en-GB"/>
@@ -1177,35 +1182,35 @@
           <a:p>
             <a:pPr lvl="0"/>
             <a:r>
-              <a:rPr lang="es-ES" smtClean="0"/>
+              <a:rPr lang="es-ES"/>
               <a:t>Editar el estilo de texto del patrón</a:t>
             </a:r>
           </a:p>
           <a:p>
             <a:pPr lvl="1"/>
             <a:r>
-              <a:rPr lang="es-ES" smtClean="0"/>
+              <a:rPr lang="es-ES"/>
               <a:t>Segundo nivel</a:t>
             </a:r>
           </a:p>
           <a:p>
             <a:pPr lvl="2"/>
             <a:r>
-              <a:rPr lang="es-ES" smtClean="0"/>
+              <a:rPr lang="es-ES"/>
               <a:t>Tercer nivel</a:t>
             </a:r>
           </a:p>
           <a:p>
             <a:pPr lvl="3"/>
             <a:r>
-              <a:rPr lang="es-ES" smtClean="0"/>
+              <a:rPr lang="es-ES"/>
               <a:t>Cuarto nivel</a:t>
             </a:r>
           </a:p>
           <a:p>
             <a:pPr lvl="4"/>
             <a:r>
-              <a:rPr lang="es-ES" smtClean="0"/>
+              <a:rPr lang="es-ES"/>
               <a:t>Quinto nivel</a:t>
             </a:r>
             <a:endParaRPr lang="en-GB"/>
@@ -1313,7 +1318,7 @@
           <a:lstStyle/>
           <a:p>
             <a:r>
-              <a:rPr lang="es-ES" smtClean="0"/>
+              <a:rPr lang="es-ES"/>
               <a:t>Haga clic para modificar el estilo de título del patrón</a:t>
             </a:r>
             <a:endParaRPr lang="en-GB"/>
@@ -1379,7 +1384,7 @@
           <a:p>
             <a:pPr lvl="0"/>
             <a:r>
-              <a:rPr lang="es-ES" smtClean="0"/>
+              <a:rPr lang="es-ES"/>
               <a:t>Editar el estilo de texto del patrón</a:t>
             </a:r>
           </a:p>
@@ -1407,35 +1412,35 @@
           <a:p>
             <a:pPr lvl="0"/>
             <a:r>
-              <a:rPr lang="es-ES" smtClean="0"/>
+              <a:rPr lang="es-ES"/>
               <a:t>Editar el estilo de texto del patrón</a:t>
             </a:r>
           </a:p>
           <a:p>
             <a:pPr lvl="1"/>
             <a:r>
-              <a:rPr lang="es-ES" smtClean="0"/>
+              <a:rPr lang="es-ES"/>
               <a:t>Segundo nivel</a:t>
             </a:r>
           </a:p>
           <a:p>
             <a:pPr lvl="2"/>
             <a:r>
-              <a:rPr lang="es-ES" smtClean="0"/>
+              <a:rPr lang="es-ES"/>
               <a:t>Tercer nivel</a:t>
             </a:r>
           </a:p>
           <a:p>
             <a:pPr lvl="3"/>
             <a:r>
-              <a:rPr lang="es-ES" smtClean="0"/>
+              <a:rPr lang="es-ES"/>
               <a:t>Cuarto nivel</a:t>
             </a:r>
           </a:p>
           <a:p>
             <a:pPr lvl="4"/>
             <a:r>
-              <a:rPr lang="es-ES" smtClean="0"/>
+              <a:rPr lang="es-ES"/>
               <a:t>Quinto nivel</a:t>
             </a:r>
             <a:endParaRPr lang="en-GB"/>
@@ -1501,7 +1506,7 @@
           <a:p>
             <a:pPr lvl="0"/>
             <a:r>
-              <a:rPr lang="es-ES" smtClean="0"/>
+              <a:rPr lang="es-ES"/>
               <a:t>Editar el estilo de texto del patrón</a:t>
             </a:r>
           </a:p>
@@ -1529,35 +1534,35 @@
           <a:p>
             <a:pPr lvl="0"/>
             <a:r>
-              <a:rPr lang="es-ES" smtClean="0"/>
+              <a:rPr lang="es-ES"/>
               <a:t>Editar el estilo de texto del patrón</a:t>
             </a:r>
           </a:p>
           <a:p>
             <a:pPr lvl="1"/>
             <a:r>
-              <a:rPr lang="es-ES" smtClean="0"/>
+              <a:rPr lang="es-ES"/>
               <a:t>Segundo nivel</a:t>
             </a:r>
           </a:p>
           <a:p>
             <a:pPr lvl="2"/>
             <a:r>
-              <a:rPr lang="es-ES" smtClean="0"/>
+              <a:rPr lang="es-ES"/>
               <a:t>Tercer nivel</a:t>
             </a:r>
           </a:p>
           <a:p>
             <a:pPr lvl="3"/>
             <a:r>
-              <a:rPr lang="es-ES" smtClean="0"/>
+              <a:rPr lang="es-ES"/>
               <a:t>Cuarto nivel</a:t>
             </a:r>
           </a:p>
           <a:p>
             <a:pPr lvl="4"/>
             <a:r>
-              <a:rPr lang="es-ES" smtClean="0"/>
+              <a:rPr lang="es-ES"/>
               <a:t>Quinto nivel</a:t>
             </a:r>
             <a:endParaRPr lang="en-GB"/>
@@ -1660,7 +1665,7 @@
           <a:lstStyle/>
           <a:p>
             <a:r>
-              <a:rPr lang="es-ES" smtClean="0"/>
+              <a:rPr lang="es-ES"/>
               <a:t>Haga clic para modificar el estilo de título del patrón</a:t>
             </a:r>
             <a:endParaRPr lang="en-GB"/>
@@ -1786,7 +1791,7 @@
           <a:p>
             <a:fld id="{4A42529D-B5B1-47E1-A19B-037CCFF42894}" type="datetimeFigureOut">
               <a:rPr lang="en-GB" smtClean="0"/>
-              <a:t>07/06/2021</a:t>
+              <a:t>12/07/2021</a:t>
             </a:fld>
             <a:endParaRPr lang="en-GB"/>
           </a:p>
@@ -1897,7 +1902,7 @@
           </a:lstStyle>
           <a:p>
             <a:r>
-              <a:rPr lang="es-ES" smtClean="0"/>
+              <a:rPr lang="es-ES"/>
               <a:t>Haga clic para modificar el estilo de título del patrón</a:t>
             </a:r>
             <a:endParaRPr lang="en-GB"/>
@@ -1954,35 +1959,35 @@
           <a:p>
             <a:pPr lvl="0"/>
             <a:r>
-              <a:rPr lang="es-ES" smtClean="0"/>
+              <a:rPr lang="es-ES"/>
               <a:t>Editar el estilo de texto del patrón</a:t>
             </a:r>
           </a:p>
           <a:p>
             <a:pPr lvl="1"/>
             <a:r>
-              <a:rPr lang="es-ES" smtClean="0"/>
+              <a:rPr lang="es-ES"/>
               <a:t>Segundo nivel</a:t>
             </a:r>
           </a:p>
           <a:p>
             <a:pPr lvl="2"/>
             <a:r>
-              <a:rPr lang="es-ES" smtClean="0"/>
+              <a:rPr lang="es-ES"/>
               <a:t>Tercer nivel</a:t>
             </a:r>
           </a:p>
           <a:p>
             <a:pPr lvl="3"/>
             <a:r>
-              <a:rPr lang="es-ES" smtClean="0"/>
+              <a:rPr lang="es-ES"/>
               <a:t>Cuarto nivel</a:t>
             </a:r>
           </a:p>
           <a:p>
             <a:pPr lvl="4"/>
             <a:r>
-              <a:rPr lang="es-ES" smtClean="0"/>
+              <a:rPr lang="es-ES"/>
               <a:t>Quinto nivel</a:t>
             </a:r>
             <a:endParaRPr lang="en-GB"/>
@@ -2048,7 +2053,7 @@
           <a:p>
             <a:pPr lvl="0"/>
             <a:r>
-              <a:rPr lang="es-ES" smtClean="0"/>
+              <a:rPr lang="es-ES"/>
               <a:t>Editar el estilo de texto del patrón</a:t>
             </a:r>
           </a:p>
@@ -2079,7 +2084,7 @@
           <a:p>
             <a:fld id="{4A42529D-B5B1-47E1-A19B-037CCFF42894}" type="datetimeFigureOut">
               <a:rPr lang="en-GB" smtClean="0"/>
-              <a:t>07/06/2021</a:t>
+              <a:t>12/07/2021</a:t>
             </a:fld>
             <a:endParaRPr lang="en-GB"/>
           </a:p>
@@ -2190,7 +2195,7 @@
           </a:lstStyle>
           <a:p>
             <a:r>
-              <a:rPr lang="es-ES" smtClean="0"/>
+              <a:rPr lang="es-ES"/>
               <a:t>Haga clic para modificar el estilo de título del patrón</a:t>
             </a:r>
             <a:endParaRPr lang="en-GB"/>
@@ -2317,7 +2322,7 @@
           <a:p>
             <a:pPr lvl="0"/>
             <a:r>
-              <a:rPr lang="es-ES" smtClean="0"/>
+              <a:rPr lang="es-ES"/>
               <a:t>Editar el estilo de texto del patrón</a:t>
             </a:r>
           </a:p>
@@ -2348,7 +2353,7 @@
           <a:p>
             <a:fld id="{4A42529D-B5B1-47E1-A19B-037CCFF42894}" type="datetimeFigureOut">
               <a:rPr lang="en-GB" smtClean="0"/>
-              <a:t>07/06/2021</a:t>
+              <a:t>12/07/2021</a:t>
             </a:fld>
             <a:endParaRPr lang="en-GB"/>
           </a:p>
@@ -2468,7 +2473,7 @@
           <a:lstStyle/>
           <a:p>
             <a:r>
-              <a:rPr lang="es-ES" smtClean="0"/>
+              <a:rPr lang="es-ES"/>
               <a:t>Haga clic para modificar el estilo de título del patrón</a:t>
             </a:r>
             <a:endParaRPr lang="en-GB"/>
@@ -2502,35 +2507,35 @@
           <a:p>
             <a:pPr lvl="0"/>
             <a:r>
-              <a:rPr lang="es-ES" smtClean="0"/>
+              <a:rPr lang="es-ES"/>
               <a:t>Editar el estilo de texto del patrón</a:t>
             </a:r>
           </a:p>
           <a:p>
             <a:pPr lvl="1"/>
             <a:r>
-              <a:rPr lang="es-ES" smtClean="0"/>
+              <a:rPr lang="es-ES"/>
               <a:t>Segundo nivel</a:t>
             </a:r>
           </a:p>
           <a:p>
             <a:pPr lvl="2"/>
             <a:r>
-              <a:rPr lang="es-ES" smtClean="0"/>
+              <a:rPr lang="es-ES"/>
               <a:t>Tercer nivel</a:t>
             </a:r>
           </a:p>
           <a:p>
             <a:pPr lvl="3"/>
             <a:r>
-              <a:rPr lang="es-ES" smtClean="0"/>
+              <a:rPr lang="es-ES"/>
               <a:t>Cuarto nivel</a:t>
             </a:r>
           </a:p>
           <a:p>
             <a:pPr lvl="4"/>
             <a:r>
-              <a:rPr lang="es-ES" smtClean="0"/>
+              <a:rPr lang="es-ES"/>
               <a:t>Quinto nivel</a:t>
             </a:r>
             <a:endParaRPr lang="en-GB"/>
@@ -2600,39 +2605,6 @@
           <a:prstGeom prst="rect">
             <a:avLst/>
           </a:prstGeom>
-        </p:spPr>
-      </p:pic>
-      <p:pic>
-        <p:nvPicPr>
-          <p:cNvPr id="8" name="Imagen 7" descr="C:\Users\mlumbreras001\AppData\Local\Microsoft\Windows\INetCache\Content.MSO\52E5CD36.tmp"/>
-          <p:cNvPicPr/>
-          <p:nvPr userDrawn="1"/>
-        </p:nvPicPr>
-        <p:blipFill>
-          <a:blip r:embed="rId14">
-            <a:extLst>
-              <a:ext uri="{28A0092B-C50C-407E-A947-70E740481C1C}">
-                <a14:useLocalDpi xmlns:a14="http://schemas.microsoft.com/office/drawing/2010/main" val="0"/>
-              </a:ext>
-            </a:extLst>
-          </a:blip>
-          <a:srcRect/>
-          <a:stretch>
-            <a:fillRect/>
-          </a:stretch>
-        </p:blipFill>
-        <p:spPr bwMode="auto">
-          <a:xfrm>
-            <a:off x="9124336" y="6108787"/>
-            <a:ext cx="2738059" cy="613482"/>
-          </a:xfrm>
-          <a:prstGeom prst="rect">
-            <a:avLst/>
-          </a:prstGeom>
-          <a:noFill/>
-          <a:ln>
-            <a:noFill/>
-          </a:ln>
         </p:spPr>
       </p:pic>
     </p:spTree>
